--- a/TypeScript.pptx
+++ b/TypeScript.pptx
@@ -1914,7 +1914,7 @@
           <p:cNvPr id="8" name="Picture 7">
             <a:extLst>
               <a:ext uri="{FF2B5EF4-FFF2-40B4-BE49-F238E27FC236}">
-                <a16:creationId xmlns="" xmlns:a16="http://schemas.microsoft.com/office/drawing/2014/main" id="{1CF45043-0DF6-7844-A454-194D648F98F1}"/>
+                <a16:creationId xmlns:a16="http://schemas.microsoft.com/office/drawing/2014/main" xmlns="" id="{1CF45043-0DF6-7844-A454-194D648F98F1}"/>
               </a:ext>
             </a:extLst>
           </p:cNvPr>
@@ -1944,7 +1944,7 @@
           <p:cNvPr id="10" name="Title 8">
             <a:extLst>
               <a:ext uri="{FF2B5EF4-FFF2-40B4-BE49-F238E27FC236}">
-                <a16:creationId xmlns="" xmlns:a16="http://schemas.microsoft.com/office/drawing/2014/main" id="{353C5CCE-34CF-4745-B8D7-AF744DB56245}"/>
+                <a16:creationId xmlns:a16="http://schemas.microsoft.com/office/drawing/2014/main" xmlns="" id="{353C5CCE-34CF-4745-B8D7-AF744DB56245}"/>
               </a:ext>
             </a:extLst>
           </p:cNvPr>
@@ -2655,7 +2655,7 @@
           <p:cNvPr id="10" name="Title 1">
             <a:extLst>
               <a:ext uri="{FF2B5EF4-FFF2-40B4-BE49-F238E27FC236}">
-                <a16:creationId xmlns="" xmlns:a16="http://schemas.microsoft.com/office/drawing/2014/main" id="{B4B68A2E-49F8-4BDA-BD1A-488169336555}"/>
+                <a16:creationId xmlns:a16="http://schemas.microsoft.com/office/drawing/2014/main" xmlns="" id="{B4B68A2E-49F8-4BDA-BD1A-488169336555}"/>
               </a:ext>
             </a:extLst>
           </p:cNvPr>
@@ -2990,7 +2990,7 @@
           <p:cNvPr id="8" name="Picture 7">
             <a:extLst>
               <a:ext uri="{FF2B5EF4-FFF2-40B4-BE49-F238E27FC236}">
-                <a16:creationId xmlns="" xmlns:a16="http://schemas.microsoft.com/office/drawing/2014/main" id="{1CF45043-0DF6-7844-A454-194D648F98F1}"/>
+                <a16:creationId xmlns:a16="http://schemas.microsoft.com/office/drawing/2014/main" xmlns="" id="{1CF45043-0DF6-7844-A454-194D648F98F1}"/>
               </a:ext>
             </a:extLst>
           </p:cNvPr>
@@ -3020,7 +3020,7 @@
           <p:cNvPr id="10" name="Title 8">
             <a:extLst>
               <a:ext uri="{FF2B5EF4-FFF2-40B4-BE49-F238E27FC236}">
-                <a16:creationId xmlns="" xmlns:a16="http://schemas.microsoft.com/office/drawing/2014/main" id="{353C5CCE-34CF-4745-B8D7-AF744DB56245}"/>
+                <a16:creationId xmlns:a16="http://schemas.microsoft.com/office/drawing/2014/main" xmlns="" id="{353C5CCE-34CF-4745-B8D7-AF744DB56245}"/>
               </a:ext>
             </a:extLst>
           </p:cNvPr>
@@ -3235,7 +3235,7 @@
           <p:cNvPr id="7" name="Picture 6">
             <a:extLst>
               <a:ext uri="{FF2B5EF4-FFF2-40B4-BE49-F238E27FC236}">
-                <a16:creationId xmlns="" xmlns:a16="http://schemas.microsoft.com/office/drawing/2014/main" id="{19906801-963A-2748-A48D-2607EEFEA3B7}"/>
+                <a16:creationId xmlns:a16="http://schemas.microsoft.com/office/drawing/2014/main" xmlns="" id="{19906801-963A-2748-A48D-2607EEFEA3B7}"/>
               </a:ext>
             </a:extLst>
           </p:cNvPr>
@@ -3937,7 +3937,7 @@
           <p:cNvPr id="9" name="Picture 8">
             <a:extLst>
               <a:ext uri="{FF2B5EF4-FFF2-40B4-BE49-F238E27FC236}">
-                <a16:creationId xmlns="" xmlns:a16="http://schemas.microsoft.com/office/drawing/2014/main" id="{21C47469-3B03-E44C-89B5-F697BC2200BB}"/>
+                <a16:creationId xmlns:a16="http://schemas.microsoft.com/office/drawing/2014/main" xmlns="" id="{21C47469-3B03-E44C-89B5-F697BC2200BB}"/>
               </a:ext>
             </a:extLst>
           </p:cNvPr>
@@ -4388,7 +4388,7 @@
           <p:cNvPr id="7" name="Picture 6">
             <a:extLst>
               <a:ext uri="{FF2B5EF4-FFF2-40B4-BE49-F238E27FC236}">
-                <a16:creationId xmlns="" xmlns:a16="http://schemas.microsoft.com/office/drawing/2014/main" id="{19906801-963A-2748-A48D-2607EEFEA3B7}"/>
+                <a16:creationId xmlns:a16="http://schemas.microsoft.com/office/drawing/2014/main" xmlns="" id="{19906801-963A-2748-A48D-2607EEFEA3B7}"/>
               </a:ext>
             </a:extLst>
           </p:cNvPr>
@@ -5717,7 +5717,7 @@
           <p:cNvPr id="10" name="Title 1">
             <a:extLst>
               <a:ext uri="{FF2B5EF4-FFF2-40B4-BE49-F238E27FC236}">
-                <a16:creationId xmlns="" xmlns:a16="http://schemas.microsoft.com/office/drawing/2014/main" id="{B4B68A2E-49F8-4BDA-BD1A-488169336555}"/>
+                <a16:creationId xmlns:a16="http://schemas.microsoft.com/office/drawing/2014/main" xmlns="" id="{B4B68A2E-49F8-4BDA-BD1A-488169336555}"/>
               </a:ext>
             </a:extLst>
           </p:cNvPr>
@@ -5928,7 +5928,7 @@
           <p:cNvPr id="8" name="Picture 7">
             <a:extLst>
               <a:ext uri="{FF2B5EF4-FFF2-40B4-BE49-F238E27FC236}">
-                <a16:creationId xmlns="" xmlns:a16="http://schemas.microsoft.com/office/drawing/2014/main" id="{1CF45043-0DF6-7844-A454-194D648F98F1}"/>
+                <a16:creationId xmlns:a16="http://schemas.microsoft.com/office/drawing/2014/main" xmlns="" id="{1CF45043-0DF6-7844-A454-194D648F98F1}"/>
               </a:ext>
             </a:extLst>
           </p:cNvPr>
@@ -6089,7 +6089,7 @@
           <p:cNvPr id="7" name="Picture 6">
             <a:extLst>
               <a:ext uri="{FF2B5EF4-FFF2-40B4-BE49-F238E27FC236}">
-                <a16:creationId xmlns="" xmlns:a16="http://schemas.microsoft.com/office/drawing/2014/main" id="{19906801-963A-2748-A48D-2607EEFEA3B7}"/>
+                <a16:creationId xmlns:a16="http://schemas.microsoft.com/office/drawing/2014/main" xmlns="" id="{19906801-963A-2748-A48D-2607EEFEA3B7}"/>
               </a:ext>
             </a:extLst>
           </p:cNvPr>
@@ -6281,7 +6281,7 @@
           <p:cNvPr id="6" name="Text Placeholder 6">
             <a:extLst>
               <a:ext uri="{FF2B5EF4-FFF2-40B4-BE49-F238E27FC236}">
-                <a16:creationId xmlns="" xmlns:a16="http://schemas.microsoft.com/office/drawing/2014/main" id="{6DDF5AB6-195E-47F9-91E3-98E599C01EFB}"/>
+                <a16:creationId xmlns:a16="http://schemas.microsoft.com/office/drawing/2014/main" xmlns="" id="{6DDF5AB6-195E-47F9-91E3-98E599C01EFB}"/>
               </a:ext>
             </a:extLst>
           </p:cNvPr>
@@ -6579,7 +6579,7 @@
           <p:cNvPr id="9" name="Picture 8">
             <a:extLst>
               <a:ext uri="{FF2B5EF4-FFF2-40B4-BE49-F238E27FC236}">
-                <a16:creationId xmlns="" xmlns:a16="http://schemas.microsoft.com/office/drawing/2014/main" id="{320D1B1E-8401-8049-8729-0C74A6C1928C}"/>
+                <a16:creationId xmlns:a16="http://schemas.microsoft.com/office/drawing/2014/main" xmlns="" id="{320D1B1E-8401-8049-8729-0C74A6C1928C}"/>
               </a:ext>
             </a:extLst>
           </p:cNvPr>
@@ -6863,7 +6863,7 @@
           <p:cNvPr id="9" name="Rectangle 8">
             <a:extLst>
               <a:ext uri="{FF2B5EF4-FFF2-40B4-BE49-F238E27FC236}">
-                <a16:creationId xmlns="" xmlns:a16="http://schemas.microsoft.com/office/drawing/2014/main" id="{9CC0A6A9-FB31-4A19-A170-D23A18C938E0}"/>
+                <a16:creationId xmlns:a16="http://schemas.microsoft.com/office/drawing/2014/main" xmlns="" id="{9CC0A6A9-FB31-4A19-A170-D23A18C938E0}"/>
               </a:ext>
             </a:extLst>
           </p:cNvPr>
@@ -9448,7 +9448,7 @@
           <p:cNvPr id="22" name="Picture 21">
             <a:extLst>
               <a:ext uri="{FF2B5EF4-FFF2-40B4-BE49-F238E27FC236}">
-                <a16:creationId xmlns="" xmlns:a16="http://schemas.microsoft.com/office/drawing/2014/main" id="{D2C70A87-6824-3248-B448-307E7C5BC0C9}"/>
+                <a16:creationId xmlns:a16="http://schemas.microsoft.com/office/drawing/2014/main" xmlns="" id="{D2C70A87-6824-3248-B448-307E7C5BC0C9}"/>
               </a:ext>
             </a:extLst>
           </p:cNvPr>
@@ -9884,7 +9884,7 @@
           <p:cNvPr id="9" name="Picture 8">
             <a:extLst>
               <a:ext uri="{FF2B5EF4-FFF2-40B4-BE49-F238E27FC236}">
-                <a16:creationId xmlns="" xmlns:a16="http://schemas.microsoft.com/office/drawing/2014/main" id="{21C47469-3B03-E44C-89B5-F697BC2200BB}"/>
+                <a16:creationId xmlns:a16="http://schemas.microsoft.com/office/drawing/2014/main" xmlns="" id="{21C47469-3B03-E44C-89B5-F697BC2200BB}"/>
               </a:ext>
             </a:extLst>
           </p:cNvPr>
@@ -12362,7 +12362,7 @@
           <p:cNvPr id="4" name="Title 3">
             <a:extLst>
               <a:ext uri="{FF2B5EF4-FFF2-40B4-BE49-F238E27FC236}">
-                <a16:creationId xmlns="" xmlns:a16="http://schemas.microsoft.com/office/drawing/2014/main" id="{5831415F-B9DB-4820-AEA0-7D4B3738F685}"/>
+                <a16:creationId xmlns:a16="http://schemas.microsoft.com/office/drawing/2014/main" xmlns="" id="{5831415F-B9DB-4820-AEA0-7D4B3738F685}"/>
               </a:ext>
             </a:extLst>
           </p:cNvPr>
@@ -12396,7 +12396,7 @@
           <p:cNvPr id="5" name="Text Placeholder 4">
             <a:extLst>
               <a:ext uri="{FF2B5EF4-FFF2-40B4-BE49-F238E27FC236}">
-                <a16:creationId xmlns="" xmlns:a16="http://schemas.microsoft.com/office/drawing/2014/main" id="{548BC74F-B18A-4578-98FC-BCE7C88CA179}"/>
+                <a16:creationId xmlns:a16="http://schemas.microsoft.com/office/drawing/2014/main" xmlns="" id="{548BC74F-B18A-4578-98FC-BCE7C88CA179}"/>
               </a:ext>
             </a:extLst>
           </p:cNvPr>
@@ -13226,7 +13226,7 @@
           <p:cNvPr id="5" name="Title 3">
             <a:extLst>
               <a:ext uri="{FF2B5EF4-FFF2-40B4-BE49-F238E27FC236}">
-                <a16:creationId xmlns="" xmlns:a16="http://schemas.microsoft.com/office/drawing/2014/main" id="{B89C1B92-534C-47A0-B35C-7F8EBB8DA40C}"/>
+                <a16:creationId xmlns:a16="http://schemas.microsoft.com/office/drawing/2014/main" xmlns="" id="{B89C1B92-534C-47A0-B35C-7F8EBB8DA40C}"/>
               </a:ext>
             </a:extLst>
           </p:cNvPr>
@@ -13439,7 +13439,7 @@
           <p:cNvPr id="5" name="Title 3">
             <a:extLst>
               <a:ext uri="{FF2B5EF4-FFF2-40B4-BE49-F238E27FC236}">
-                <a16:creationId xmlns="" xmlns:a16="http://schemas.microsoft.com/office/drawing/2014/main" id="{B89C1B92-534C-47A0-B35C-7F8EBB8DA40C}"/>
+                <a16:creationId xmlns:a16="http://schemas.microsoft.com/office/drawing/2014/main" xmlns="" id="{B89C1B92-534C-47A0-B35C-7F8EBB8DA40C}"/>
               </a:ext>
             </a:extLst>
           </p:cNvPr>
@@ -13551,7 +13551,7 @@
           <p:cNvPr id="5" name="Title 3">
             <a:extLst>
               <a:ext uri="{FF2B5EF4-FFF2-40B4-BE49-F238E27FC236}">
-                <a16:creationId xmlns="" xmlns:a16="http://schemas.microsoft.com/office/drawing/2014/main" id="{B89C1B92-534C-47A0-B35C-7F8EBB8DA40C}"/>
+                <a16:creationId xmlns:a16="http://schemas.microsoft.com/office/drawing/2014/main" xmlns="" id="{B89C1B92-534C-47A0-B35C-7F8EBB8DA40C}"/>
               </a:ext>
             </a:extLst>
           </p:cNvPr>
@@ -13806,7 +13806,7 @@
           <p:cNvPr id="5" name="Title 3">
             <a:extLst>
               <a:ext uri="{FF2B5EF4-FFF2-40B4-BE49-F238E27FC236}">
-                <a16:creationId xmlns="" xmlns:a16="http://schemas.microsoft.com/office/drawing/2014/main" id="{B89C1B92-534C-47A0-B35C-7F8EBB8DA40C}"/>
+                <a16:creationId xmlns:a16="http://schemas.microsoft.com/office/drawing/2014/main" xmlns="" id="{B89C1B92-534C-47A0-B35C-7F8EBB8DA40C}"/>
               </a:ext>
             </a:extLst>
           </p:cNvPr>
@@ -13959,7 +13959,7 @@
           <p:cNvPr id="5" name="Title 3">
             <a:extLst>
               <a:ext uri="{FF2B5EF4-FFF2-40B4-BE49-F238E27FC236}">
-                <a16:creationId xmlns="" xmlns:a16="http://schemas.microsoft.com/office/drawing/2014/main" id="{B89C1B92-534C-47A0-B35C-7F8EBB8DA40C}"/>
+                <a16:creationId xmlns:a16="http://schemas.microsoft.com/office/drawing/2014/main" xmlns="" id="{B89C1B92-534C-47A0-B35C-7F8EBB8DA40C}"/>
               </a:ext>
             </a:extLst>
           </p:cNvPr>
@@ -14075,7 +14075,7 @@
           <p:cNvPr id="9" name="Title 3">
             <a:extLst>
               <a:ext uri="{FF2B5EF4-FFF2-40B4-BE49-F238E27FC236}">
-                <a16:creationId xmlns="" xmlns:a16="http://schemas.microsoft.com/office/drawing/2014/main" id="{B89C1B92-534C-47A0-B35C-7F8EBB8DA40C}"/>
+                <a16:creationId xmlns:a16="http://schemas.microsoft.com/office/drawing/2014/main" xmlns="" id="{B89C1B92-534C-47A0-B35C-7F8EBB8DA40C}"/>
               </a:ext>
             </a:extLst>
           </p:cNvPr>
@@ -14184,7 +14184,7 @@
           <p:cNvPr id="4" name="Title 3">
             <a:extLst>
               <a:ext uri="{FF2B5EF4-FFF2-40B4-BE49-F238E27FC236}">
-                <a16:creationId xmlns="" xmlns:a16="http://schemas.microsoft.com/office/drawing/2014/main" id="{B89C1B92-534C-47A0-B35C-7F8EBB8DA40C}"/>
+                <a16:creationId xmlns:a16="http://schemas.microsoft.com/office/drawing/2014/main" xmlns="" id="{B89C1B92-534C-47A0-B35C-7F8EBB8DA40C}"/>
               </a:ext>
             </a:extLst>
           </p:cNvPr>
@@ -14549,7 +14549,7 @@
           <p:cNvPr id="4" name="Title 3">
             <a:extLst>
               <a:ext uri="{FF2B5EF4-FFF2-40B4-BE49-F238E27FC236}">
-                <a16:creationId xmlns="" xmlns:a16="http://schemas.microsoft.com/office/drawing/2014/main" id="{AAFA0E05-D6A3-44DB-8E1F-AE9104489031}"/>
+                <a16:creationId xmlns:a16="http://schemas.microsoft.com/office/drawing/2014/main" xmlns="" id="{AAFA0E05-D6A3-44DB-8E1F-AE9104489031}"/>
               </a:ext>
             </a:extLst>
           </p:cNvPr>
@@ -14591,7 +14591,7 @@
           <p:cNvPr id="5" name="Text Placeholder 4">
             <a:extLst>
               <a:ext uri="{FF2B5EF4-FFF2-40B4-BE49-F238E27FC236}">
-                <a16:creationId xmlns="" xmlns:a16="http://schemas.microsoft.com/office/drawing/2014/main" id="{817D4F48-03D6-4A34-979F-5C60DD1330B6}"/>
+                <a16:creationId xmlns:a16="http://schemas.microsoft.com/office/drawing/2014/main" xmlns="" id="{817D4F48-03D6-4A34-979F-5C60DD1330B6}"/>
               </a:ext>
             </a:extLst>
           </p:cNvPr>
@@ -14685,7 +14685,7 @@
           <p:cNvPr id="7" name="Title 3">
             <a:extLst>
               <a:ext uri="{FF2B5EF4-FFF2-40B4-BE49-F238E27FC236}">
-                <a16:creationId xmlns="" xmlns:a16="http://schemas.microsoft.com/office/drawing/2014/main" id="{B89C1B92-534C-47A0-B35C-7F8EBB8DA40C}"/>
+                <a16:creationId xmlns:a16="http://schemas.microsoft.com/office/drawing/2014/main" xmlns="" id="{B89C1B92-534C-47A0-B35C-7F8EBB8DA40C}"/>
               </a:ext>
             </a:extLst>
           </p:cNvPr>
@@ -14909,7 +14909,7 @@
           <p:cNvPr id="4" name="Title 3">
             <a:extLst>
               <a:ext uri="{FF2B5EF4-FFF2-40B4-BE49-F238E27FC236}">
-                <a16:creationId xmlns="" xmlns:a16="http://schemas.microsoft.com/office/drawing/2014/main" id="{B89C1B92-534C-47A0-B35C-7F8EBB8DA40C}"/>
+                <a16:creationId xmlns:a16="http://schemas.microsoft.com/office/drawing/2014/main" xmlns="" id="{B89C1B92-534C-47A0-B35C-7F8EBB8DA40C}"/>
               </a:ext>
             </a:extLst>
           </p:cNvPr>
@@ -15335,7 +15335,7 @@
           <p:cNvPr id="7" name="Title 3">
             <a:extLst>
               <a:ext uri="{FF2B5EF4-FFF2-40B4-BE49-F238E27FC236}">
-                <a16:creationId xmlns="" xmlns:a16="http://schemas.microsoft.com/office/drawing/2014/main" id="{B89C1B92-534C-47A0-B35C-7F8EBB8DA40C}"/>
+                <a16:creationId xmlns:a16="http://schemas.microsoft.com/office/drawing/2014/main" xmlns="" id="{B89C1B92-534C-47A0-B35C-7F8EBB8DA40C}"/>
               </a:ext>
             </a:extLst>
           </p:cNvPr>
@@ -15513,7 +15513,7 @@
           <p:cNvPr id="7" name="Title 3">
             <a:extLst>
               <a:ext uri="{FF2B5EF4-FFF2-40B4-BE49-F238E27FC236}">
-                <a16:creationId xmlns="" xmlns:a16="http://schemas.microsoft.com/office/drawing/2014/main" id="{B89C1B92-534C-47A0-B35C-7F8EBB8DA40C}"/>
+                <a16:creationId xmlns:a16="http://schemas.microsoft.com/office/drawing/2014/main" xmlns="" id="{B89C1B92-534C-47A0-B35C-7F8EBB8DA40C}"/>
               </a:ext>
             </a:extLst>
           </p:cNvPr>
@@ -15740,7 +15740,7 @@
           <p:cNvPr id="7" name="Title 3">
             <a:extLst>
               <a:ext uri="{FF2B5EF4-FFF2-40B4-BE49-F238E27FC236}">
-                <a16:creationId xmlns="" xmlns:a16="http://schemas.microsoft.com/office/drawing/2014/main" id="{B89C1B92-534C-47A0-B35C-7F8EBB8DA40C}"/>
+                <a16:creationId xmlns:a16="http://schemas.microsoft.com/office/drawing/2014/main" xmlns="" id="{B89C1B92-534C-47A0-B35C-7F8EBB8DA40C}"/>
               </a:ext>
             </a:extLst>
           </p:cNvPr>
@@ -15985,7 +15985,7 @@
           <p:cNvPr id="7" name="Title 3">
             <a:extLst>
               <a:ext uri="{FF2B5EF4-FFF2-40B4-BE49-F238E27FC236}">
-                <a16:creationId xmlns="" xmlns:a16="http://schemas.microsoft.com/office/drawing/2014/main" id="{B89C1B92-534C-47A0-B35C-7F8EBB8DA40C}"/>
+                <a16:creationId xmlns:a16="http://schemas.microsoft.com/office/drawing/2014/main" xmlns="" id="{B89C1B92-534C-47A0-B35C-7F8EBB8DA40C}"/>
               </a:ext>
             </a:extLst>
           </p:cNvPr>
@@ -16123,7 +16123,7 @@
           <p:cNvPr id="4" name="Title 3">
             <a:extLst>
               <a:ext uri="{FF2B5EF4-FFF2-40B4-BE49-F238E27FC236}">
-                <a16:creationId xmlns="" xmlns:a16="http://schemas.microsoft.com/office/drawing/2014/main" id="{B89C1B92-534C-47A0-B35C-7F8EBB8DA40C}"/>
+                <a16:creationId xmlns:a16="http://schemas.microsoft.com/office/drawing/2014/main" xmlns="" id="{B89C1B92-534C-47A0-B35C-7F8EBB8DA40C}"/>
               </a:ext>
             </a:extLst>
           </p:cNvPr>
@@ -16180,8 +16180,8 @@
         </p:nvSpPr>
         <p:spPr bwMode="auto">
           <a:xfrm>
-            <a:off x="596900" y="2028578"/>
-            <a:ext cx="8410622" cy="2462213"/>
+            <a:off x="596900" y="2274799"/>
+            <a:ext cx="8410622" cy="1969770"/>
           </a:xfrm>
           <a:prstGeom prst="rect">
             <a:avLst/>
@@ -16279,20 +16279,7 @@
                 <a:effectLst/>
                 <a:latin typeface="+mj-lt"/>
               </a:rPr>
-              <a:t>2</a:t>
-            </a:r>
-            <a:r>
-              <a:rPr kumimoji="0" lang="en-US" altLang="uk-UA" sz="3200" b="0" i="0" u="none" strike="noStrike" cap="none" normalizeH="0" baseline="0" dirty="0" smtClean="0">
-                <a:ln>
-                  <a:noFill/>
-                </a:ln>
-                <a:solidFill>
-                  <a:schemeClr val="bg1"/>
-                </a:solidFill>
-                <a:effectLst/>
-                <a:latin typeface="+mj-lt"/>
-              </a:rPr>
-              <a:t>) </a:t>
+              <a:t>2) </a:t>
             </a:r>
             <a:r>
               <a:rPr lang="en-US" sz="3200" dirty="0">
@@ -16317,16 +16304,7 @@
                 </a:solidFill>
                 <a:latin typeface="+mj-lt"/>
               </a:rPr>
-              <a:t>3</a:t>
-            </a:r>
-            <a:r>
-              <a:rPr lang="en-US" altLang="uk-UA" sz="3200" dirty="0" smtClean="0">
-                <a:solidFill>
-                  <a:schemeClr val="bg1"/>
-                </a:solidFill>
-                <a:latin typeface="+mj-lt"/>
-              </a:rPr>
-              <a:t>) </a:t>
+              <a:t>3) </a:t>
             </a:r>
             <a:r>
               <a:rPr lang="en-US" sz="3200" dirty="0">
@@ -16341,32 +16319,6 @@
               <a:t>/</a:t>
             </a:r>
             <a:endParaRPr lang="uk-UA" sz="3200" dirty="0" smtClean="0"/>
-          </a:p>
-          <a:p>
-            <a:pPr lvl="0"/>
-            <a:r>
-              <a:rPr kumimoji="0" lang="uk-UA" altLang="uk-UA" sz="3200" b="0" i="0" u="none" strike="noStrike" cap="none" normalizeH="0" baseline="0" dirty="0" smtClean="0">
-                <a:ln>
-                  <a:noFill/>
-                </a:ln>
-                <a:solidFill>
-                  <a:schemeClr val="bg1"/>
-                </a:solidFill>
-                <a:effectLst/>
-                <a:latin typeface="+mj-lt"/>
-              </a:rPr>
-              <a:t>4) </a:t>
-            </a:r>
-            <a:endParaRPr kumimoji="0" lang="uk-UA" altLang="uk-UA" sz="3200" b="0" i="0" u="none" strike="noStrike" cap="none" normalizeH="0" baseline="0" dirty="0" smtClean="0">
-              <a:ln>
-                <a:noFill/>
-              </a:ln>
-              <a:solidFill>
-                <a:schemeClr val="bg1"/>
-              </a:solidFill>
-              <a:effectLst/>
-              <a:latin typeface="+mj-lt"/>
-            </a:endParaRPr>
           </a:p>
         </p:txBody>
       </p:sp>
@@ -16476,7 +16428,7 @@
           <p:cNvPr id="4" name="Title 3">
             <a:extLst>
               <a:ext uri="{FF2B5EF4-FFF2-40B4-BE49-F238E27FC236}">
-                <a16:creationId xmlns="" xmlns:a16="http://schemas.microsoft.com/office/drawing/2014/main" id="{AAFA0E05-D6A3-44DB-8E1F-AE9104489031}"/>
+                <a16:creationId xmlns:a16="http://schemas.microsoft.com/office/drawing/2014/main" xmlns="" id="{AAFA0E05-D6A3-44DB-8E1F-AE9104489031}"/>
               </a:ext>
             </a:extLst>
           </p:cNvPr>
@@ -16522,7 +16474,7 @@
           <p:cNvPr id="5" name="Text Placeholder 4">
             <a:extLst>
               <a:ext uri="{FF2B5EF4-FFF2-40B4-BE49-F238E27FC236}">
-                <a16:creationId xmlns="" xmlns:a16="http://schemas.microsoft.com/office/drawing/2014/main" id="{817D4F48-03D6-4A34-979F-5C60DD1330B6}"/>
+                <a16:creationId xmlns:a16="http://schemas.microsoft.com/office/drawing/2014/main" xmlns="" id="{817D4F48-03D6-4A34-979F-5C60DD1330B6}"/>
               </a:ext>
             </a:extLst>
           </p:cNvPr>
@@ -16663,7 +16615,7 @@
           <p:cNvPr id="4" name="Title 3">
             <a:extLst>
               <a:ext uri="{FF2B5EF4-FFF2-40B4-BE49-F238E27FC236}">
-                <a16:creationId xmlns="" xmlns:a16="http://schemas.microsoft.com/office/drawing/2014/main" id="{B89C1B92-534C-47A0-B35C-7F8EBB8DA40C}"/>
+                <a16:creationId xmlns:a16="http://schemas.microsoft.com/office/drawing/2014/main" xmlns="" id="{B89C1B92-534C-47A0-B35C-7F8EBB8DA40C}"/>
               </a:ext>
             </a:extLst>
           </p:cNvPr>
@@ -16760,7 +16712,7 @@
           <p:cNvPr id="4" name="Title 3">
             <a:extLst>
               <a:ext uri="{FF2B5EF4-FFF2-40B4-BE49-F238E27FC236}">
-                <a16:creationId xmlns="" xmlns:a16="http://schemas.microsoft.com/office/drawing/2014/main" id="{B89C1B92-534C-47A0-B35C-7F8EBB8DA40C}"/>
+                <a16:creationId xmlns:a16="http://schemas.microsoft.com/office/drawing/2014/main" xmlns="" id="{B89C1B92-534C-47A0-B35C-7F8EBB8DA40C}"/>
               </a:ext>
             </a:extLst>
           </p:cNvPr>
@@ -17140,7 +17092,7 @@
           <p:cNvPr id="4" name="Title 3">
             <a:extLst>
               <a:ext uri="{FF2B5EF4-FFF2-40B4-BE49-F238E27FC236}">
-                <a16:creationId xmlns="" xmlns:a16="http://schemas.microsoft.com/office/drawing/2014/main" id="{B89C1B92-534C-47A0-B35C-7F8EBB8DA40C}"/>
+                <a16:creationId xmlns:a16="http://schemas.microsoft.com/office/drawing/2014/main" xmlns="" id="{B89C1B92-534C-47A0-B35C-7F8EBB8DA40C}"/>
               </a:ext>
             </a:extLst>
           </p:cNvPr>
@@ -17437,7 +17389,7 @@
           <p:cNvPr id="4" name="Title 3">
             <a:extLst>
               <a:ext uri="{FF2B5EF4-FFF2-40B4-BE49-F238E27FC236}">
-                <a16:creationId xmlns="" xmlns:a16="http://schemas.microsoft.com/office/drawing/2014/main" id="{B89C1B92-534C-47A0-B35C-7F8EBB8DA40C}"/>
+                <a16:creationId xmlns:a16="http://schemas.microsoft.com/office/drawing/2014/main" xmlns="" id="{B89C1B92-534C-47A0-B35C-7F8EBB8DA40C}"/>
               </a:ext>
             </a:extLst>
           </p:cNvPr>
@@ -17617,7 +17569,7 @@
           <p:cNvPr id="4" name="Title 3">
             <a:extLst>
               <a:ext uri="{FF2B5EF4-FFF2-40B4-BE49-F238E27FC236}">
-                <a16:creationId xmlns="" xmlns:a16="http://schemas.microsoft.com/office/drawing/2014/main" id="{B89C1B92-534C-47A0-B35C-7F8EBB8DA40C}"/>
+                <a16:creationId xmlns:a16="http://schemas.microsoft.com/office/drawing/2014/main" xmlns="" id="{B89C1B92-534C-47A0-B35C-7F8EBB8DA40C}"/>
               </a:ext>
             </a:extLst>
           </p:cNvPr>
@@ -19192,15 +19144,6 @@
 </file>
 
 <file path=customXml/item2.xml><?xml version="1.0" encoding="utf-8"?>
-<?mso-contentType ?>
-<FormTemplates xmlns="http://schemas.microsoft.com/sharepoint/v3/contenttype/forms">
-  <Display>DocumentLibraryForm</Display>
-  <Edit>DocumentLibraryForm</Edit>
-  <New>DocumentLibraryForm</New>
-</FormTemplates>
-</file>
-
-<file path=customXml/item3.xml><?xml version="1.0" encoding="utf-8"?>
 <ct:contentTypeSchema xmlns:ct="http://schemas.microsoft.com/office/2006/metadata/contentType" xmlns:ma="http://schemas.microsoft.com/office/2006/metadata/properties/metaAttributes" ct:_="" ma:_="" ma:contentTypeName="Document" ma:contentTypeID="0x0101004195FC54A15F344D83577B1CDDD67A5D" ma:contentTypeVersion="13" ma:contentTypeDescription="Create a new document." ma:contentTypeScope="" ma:versionID="30ded57c9b2156718eb8cc7b0e4246dc">
   <xsd:schema xmlns:xsd="http://www.w3.org/2001/XMLSchema" xmlns:xs="http://www.w3.org/2001/XMLSchema" xmlns:p="http://schemas.microsoft.com/office/2006/metadata/properties" xmlns:ns2="341e6018-ac0a-4dfb-8409-db9e0d25502e" xmlns:ns3="835f28f2-30f1-4728-84d2-86d96e143488" targetNamespace="http://schemas.microsoft.com/office/2006/metadata/properties" ma:root="true" ma:fieldsID="a0d1831635397921c92a19e568dfc949" ns2:_="" ns3:_="">
     <xsd:import namespace="341e6018-ac0a-4dfb-8409-db9e0d25502e"/>
@@ -19425,6 +19368,15 @@
 </ct:contentTypeSchema>
 </file>
 
+<file path=customXml/item3.xml><?xml version="1.0" encoding="utf-8"?>
+<?mso-contentType ?>
+<FormTemplates xmlns="http://schemas.microsoft.com/sharepoint/v3/contenttype/forms">
+  <Display>DocumentLibraryForm</Display>
+  <Edit>DocumentLibraryForm</Edit>
+  <New>DocumentLibraryForm</New>
+</FormTemplates>
+</file>
+
 <file path=customXml/itemProps1.xml><?xml version="1.0" encoding="utf-8"?>
 <ds:datastoreItem xmlns:ds="http://schemas.openxmlformats.org/officeDocument/2006/customXml" ds:itemID="{E9033E08-7FE9-4F6D-B155-A8777B4A5A57}">
   <ds:schemaRefs>
@@ -19443,14 +19395,6 @@
 </file>
 
 <file path=customXml/itemProps2.xml><?xml version="1.0" encoding="utf-8"?>
-<ds:datastoreItem xmlns:ds="http://schemas.openxmlformats.org/officeDocument/2006/customXml" ds:itemID="{296B3B9E-03D8-4766-BF45-6129617CF026}">
-  <ds:schemaRefs>
-    <ds:schemaRef ds:uri="http://schemas.microsoft.com/sharepoint/v3/contenttype/forms"/>
-  </ds:schemaRefs>
-</ds:datastoreItem>
-</file>
-
-<file path=customXml/itemProps3.xml><?xml version="1.0" encoding="utf-8"?>
 <ds:datastoreItem xmlns:ds="http://schemas.openxmlformats.org/officeDocument/2006/customXml" ds:itemID="{5BCFD5A9-9FF3-42E0-89D7-BF5BFC61DD60}">
   <ds:schemaRefs>
     <ds:schemaRef ds:uri="341e6018-ac0a-4dfb-8409-db9e0d25502e"/>
@@ -19467,4 +19411,12 @@
     <ds:schemaRef ds:uri="http://www.w3.org/2001/XMLSchema"/>
   </ds:schemaRefs>
 </ds:datastoreItem>
+</file>
+
+<file path=customXml/itemProps3.xml><?xml version="1.0" encoding="utf-8"?>
+<ds:datastoreItem xmlns:ds="http://schemas.openxmlformats.org/officeDocument/2006/customXml" ds:itemID="{296B3B9E-03D8-4766-BF45-6129617CF026}">
+  <ds:schemaRefs>
+    <ds:schemaRef ds:uri="http://schemas.microsoft.com/sharepoint/v3/contenttype/forms"/>
+  </ds:schemaRefs>
+</ds:datastoreItem>
 </file>